--- a/presentations/source/03-JAX-RS.pptx
+++ b/presentations/source/03-JAX-RS.pptx
@@ -216,7 +216,7 @@
             <a:fld id="{7307762F-A706-E543-A832-3C298AA3103F}" type="datetimeFigureOut">
               <a:rPr lang="en-US" smtClean="0"/>
               <a:pPr/>
-              <a:t>10/12/2012</a:t>
+              <a:t>18/12/2012</a:t>
             </a:fld>
             <a:endParaRPr lang="en-US" dirty="0"/>
           </a:p>
@@ -678,7 +678,7 @@
           <a:p>
             <a:fld id="{875CF0EB-321F-0749-B37A-89BBA859503C}" type="datetimeFigureOut">
               <a:rPr lang="en-US" smtClean="0"/>
-              <a:t>10/12/2012</a:t>
+              <a:t>18/12/2012</a:t>
             </a:fld>
             <a:endParaRPr lang="en-US"/>
           </a:p>
@@ -872,7 +872,7 @@
           <a:p>
             <a:fld id="{875CF0EB-321F-0749-B37A-89BBA859503C}" type="datetimeFigureOut">
               <a:rPr lang="en-US" smtClean="0"/>
-              <a:t>10/12/2012</a:t>
+              <a:t>18/12/2012</a:t>
             </a:fld>
             <a:endParaRPr lang="en-US"/>
           </a:p>
@@ -1076,7 +1076,7 @@
           <a:p>
             <a:fld id="{875CF0EB-321F-0749-B37A-89BBA859503C}" type="datetimeFigureOut">
               <a:rPr lang="en-US" smtClean="0"/>
-              <a:t>10/12/2012</a:t>
+              <a:t>18/12/2012</a:t>
             </a:fld>
             <a:endParaRPr lang="en-US"/>
           </a:p>
@@ -1270,7 +1270,7 @@
           <a:p>
             <a:fld id="{875CF0EB-321F-0749-B37A-89BBA859503C}" type="datetimeFigureOut">
               <a:rPr lang="en-US" smtClean="0"/>
-              <a:t>10/12/2012</a:t>
+              <a:t>18/12/2012</a:t>
             </a:fld>
             <a:endParaRPr lang="en-US"/>
           </a:p>
@@ -1540,7 +1540,7 @@
           <a:p>
             <a:fld id="{875CF0EB-321F-0749-B37A-89BBA859503C}" type="datetimeFigureOut">
               <a:rPr lang="en-US" smtClean="0"/>
-              <a:t>10/12/2012</a:t>
+              <a:t>18/12/2012</a:t>
             </a:fld>
             <a:endParaRPr lang="en-US"/>
           </a:p>
@@ -1852,7 +1852,7 @@
           <a:p>
             <a:fld id="{875CF0EB-321F-0749-B37A-89BBA859503C}" type="datetimeFigureOut">
               <a:rPr lang="en-US" smtClean="0"/>
-              <a:t>10/12/2012</a:t>
+              <a:t>18/12/2012</a:t>
             </a:fld>
             <a:endParaRPr lang="en-US"/>
           </a:p>
@@ -2298,7 +2298,7 @@
           <a:p>
             <a:fld id="{875CF0EB-321F-0749-B37A-89BBA859503C}" type="datetimeFigureOut">
               <a:rPr lang="en-US" smtClean="0"/>
-              <a:t>10/12/2012</a:t>
+              <a:t>18/12/2012</a:t>
             </a:fld>
             <a:endParaRPr lang="en-US"/>
           </a:p>
@@ -2440,7 +2440,7 @@
           <a:p>
             <a:fld id="{875CF0EB-321F-0749-B37A-89BBA859503C}" type="datetimeFigureOut">
               <a:rPr lang="en-US" smtClean="0"/>
-              <a:t>10/12/2012</a:t>
+              <a:t>18/12/2012</a:t>
             </a:fld>
             <a:endParaRPr lang="en-US"/>
           </a:p>
@@ -2559,7 +2559,7 @@
           <a:p>
             <a:fld id="{875CF0EB-321F-0749-B37A-89BBA859503C}" type="datetimeFigureOut">
               <a:rPr lang="en-US" smtClean="0"/>
-              <a:t>10/12/2012</a:t>
+              <a:t>18/12/2012</a:t>
             </a:fld>
             <a:endParaRPr lang="en-US"/>
           </a:p>
@@ -2860,7 +2860,7 @@
           <a:p>
             <a:fld id="{875CF0EB-321F-0749-B37A-89BBA859503C}" type="datetimeFigureOut">
               <a:rPr lang="en-US" smtClean="0"/>
-              <a:t>10/12/2012</a:t>
+              <a:t>18/12/2012</a:t>
             </a:fld>
             <a:endParaRPr lang="en-US"/>
           </a:p>
@@ -3137,7 +3137,7 @@
           <a:p>
             <a:fld id="{875CF0EB-321F-0749-B37A-89BBA859503C}" type="datetimeFigureOut">
               <a:rPr lang="en-US" smtClean="0"/>
-              <a:t>10/12/2012</a:t>
+              <a:t>18/12/2012</a:t>
             </a:fld>
             <a:endParaRPr lang="en-US"/>
           </a:p>
@@ -5797,16 +5797,60 @@
         </p:nvSpPr>
         <p:spPr/>
         <p:txBody>
-          <a:bodyPr>
-            <a:normAutofit/>
-          </a:bodyPr>
+          <a:bodyPr/>
           <a:lstStyle/>
           <a:p>
             <a:r>
-              <a:rPr lang="en-US" dirty="0" smtClean="0"/>
+              <a:rPr lang="en-US" smtClean="0"/>
               <a:t>JAX-RS</a:t>
             </a:r>
             <a:endParaRPr lang="en-US" dirty="0"/>
+          </a:p>
+        </p:txBody>
+      </p:sp>
+      <p:sp>
+        <p:nvSpPr>
+          <p:cNvPr id="4" name="Subtitle 3"/>
+          <p:cNvSpPr>
+            <a:spLocks noGrp="1"/>
+          </p:cNvSpPr>
+          <p:nvPr>
+            <p:ph type="subTitle" idx="1"/>
+          </p:nvPr>
+        </p:nvSpPr>
+        <p:spPr/>
+        <p:txBody>
+          <a:bodyPr/>
+          <a:lstStyle/>
+          <a:p>
+            <a:r>
+              <a:rPr lang="en-US" dirty="0">
+                <a:ea typeface="ヒラギノ角ゴ ProN W3" charset="0"/>
+                <a:cs typeface="ヒラギノ角ゴ ProN W3" charset="0"/>
+              </a:rPr>
+              <a:t>Oxford University </a:t>
+            </a:r>
+          </a:p>
+          <a:p>
+            <a:r>
+              <a:rPr lang="en-US" dirty="0">
+                <a:ea typeface="ヒラギノ角ゴ ProN W3" charset="0"/>
+                <a:cs typeface="ヒラギノ角ゴ ProN W3" charset="0"/>
+              </a:rPr>
+              <a:t>Software Engineering Programme</a:t>
+            </a:r>
+          </a:p>
+          <a:p>
+            <a:r>
+              <a:rPr lang="en-US">
+                <a:ea typeface="ヒラギノ角ゴ ProN W3" charset="0"/>
+                <a:cs typeface="ヒラギノ角ゴ ProN W3" charset="0"/>
+              </a:rPr>
+              <a:t>Dec 2012</a:t>
+            </a:r>
+          </a:p>
+          <a:p>
+            <a:endParaRPr lang="en-US"/>
           </a:p>
         </p:txBody>
       </p:sp>
@@ -8175,10 +8219,6 @@
               </a:rPr>
               <a:t>();</a:t>
             </a:r>
-            <a:endParaRPr lang="en-US" dirty="0">
-              <a:latin typeface="Courier"/>
-              <a:cs typeface="Courier"/>
-            </a:endParaRPr>
           </a:p>
         </p:txBody>
       </p:sp>

--- a/presentations/source/03-JAX-RS.pptx
+++ b/presentations/source/03-JAX-RS.pptx
@@ -216,7 +216,7 @@
             <a:fld id="{7307762F-A706-E543-A832-3C298AA3103F}" type="datetimeFigureOut">
               <a:rPr lang="en-US" smtClean="0"/>
               <a:pPr/>
-              <a:t>18/12/2012</a:t>
+              <a:t>11/27/13</a:t>
             </a:fld>
             <a:endParaRPr lang="en-US" dirty="0"/>
           </a:p>
@@ -678,7 +678,7 @@
           <a:p>
             <a:fld id="{875CF0EB-321F-0749-B37A-89BBA859503C}" type="datetimeFigureOut">
               <a:rPr lang="en-US" smtClean="0"/>
-              <a:t>18/12/2012</a:t>
+              <a:t>11/27/13</a:t>
             </a:fld>
             <a:endParaRPr lang="en-US"/>
           </a:p>
@@ -872,7 +872,7 @@
           <a:p>
             <a:fld id="{875CF0EB-321F-0749-B37A-89BBA859503C}" type="datetimeFigureOut">
               <a:rPr lang="en-US" smtClean="0"/>
-              <a:t>18/12/2012</a:t>
+              <a:t>11/27/13</a:t>
             </a:fld>
             <a:endParaRPr lang="en-US"/>
           </a:p>
@@ -1076,7 +1076,7 @@
           <a:p>
             <a:fld id="{875CF0EB-321F-0749-B37A-89BBA859503C}" type="datetimeFigureOut">
               <a:rPr lang="en-US" smtClean="0"/>
-              <a:t>18/12/2012</a:t>
+              <a:t>11/27/13</a:t>
             </a:fld>
             <a:endParaRPr lang="en-US"/>
           </a:p>
@@ -1270,7 +1270,7 @@
           <a:p>
             <a:fld id="{875CF0EB-321F-0749-B37A-89BBA859503C}" type="datetimeFigureOut">
               <a:rPr lang="en-US" smtClean="0"/>
-              <a:t>18/12/2012</a:t>
+              <a:t>11/27/13</a:t>
             </a:fld>
             <a:endParaRPr lang="en-US"/>
           </a:p>
@@ -1540,7 +1540,7 @@
           <a:p>
             <a:fld id="{875CF0EB-321F-0749-B37A-89BBA859503C}" type="datetimeFigureOut">
               <a:rPr lang="en-US" smtClean="0"/>
-              <a:t>18/12/2012</a:t>
+              <a:t>11/27/13</a:t>
             </a:fld>
             <a:endParaRPr lang="en-US"/>
           </a:p>
@@ -1852,7 +1852,7 @@
           <a:p>
             <a:fld id="{875CF0EB-321F-0749-B37A-89BBA859503C}" type="datetimeFigureOut">
               <a:rPr lang="en-US" smtClean="0"/>
-              <a:t>18/12/2012</a:t>
+              <a:t>11/27/13</a:t>
             </a:fld>
             <a:endParaRPr lang="en-US"/>
           </a:p>
@@ -2298,7 +2298,7 @@
           <a:p>
             <a:fld id="{875CF0EB-321F-0749-B37A-89BBA859503C}" type="datetimeFigureOut">
               <a:rPr lang="en-US" smtClean="0"/>
-              <a:t>18/12/2012</a:t>
+              <a:t>11/27/13</a:t>
             </a:fld>
             <a:endParaRPr lang="en-US"/>
           </a:p>
@@ -2440,7 +2440,7 @@
           <a:p>
             <a:fld id="{875CF0EB-321F-0749-B37A-89BBA859503C}" type="datetimeFigureOut">
               <a:rPr lang="en-US" smtClean="0"/>
-              <a:t>18/12/2012</a:t>
+              <a:t>11/27/13</a:t>
             </a:fld>
             <a:endParaRPr lang="en-US"/>
           </a:p>
@@ -2559,7 +2559,7 @@
           <a:p>
             <a:fld id="{875CF0EB-321F-0749-B37A-89BBA859503C}" type="datetimeFigureOut">
               <a:rPr lang="en-US" smtClean="0"/>
-              <a:t>18/12/2012</a:t>
+              <a:t>11/27/13</a:t>
             </a:fld>
             <a:endParaRPr lang="en-US"/>
           </a:p>
@@ -2860,7 +2860,7 @@
           <a:p>
             <a:fld id="{875CF0EB-321F-0749-B37A-89BBA859503C}" type="datetimeFigureOut">
               <a:rPr lang="en-US" smtClean="0"/>
-              <a:t>18/12/2012</a:t>
+              <a:t>11/27/13</a:t>
             </a:fld>
             <a:endParaRPr lang="en-US"/>
           </a:p>
@@ -3137,7 +3137,7 @@
           <a:p>
             <a:fld id="{875CF0EB-321F-0749-B37A-89BBA859503C}" type="datetimeFigureOut">
               <a:rPr lang="en-US" smtClean="0"/>
-              <a:t>18/12/2012</a:t>
+              <a:t>11/27/13</a:t>
             </a:fld>
             <a:endParaRPr lang="en-US"/>
           </a:p>
@@ -8999,25 +8999,6 @@
               <a:t>Understanding JAX-RS better</a:t>
             </a:r>
             <a:endParaRPr lang="en-US" dirty="0"/>
-          </a:p>
-        </p:txBody>
-      </p:sp>
-      <p:sp>
-        <p:nvSpPr>
-          <p:cNvPr id="3" name="Content Placeholder 2"/>
-          <p:cNvSpPr>
-            <a:spLocks noGrp="1"/>
-          </p:cNvSpPr>
-          <p:nvPr>
-            <p:ph idx="1"/>
-          </p:nvPr>
-        </p:nvSpPr>
-        <p:spPr/>
-        <p:txBody>
-          <a:bodyPr/>
-          <a:lstStyle/>
-          <a:p>
-            <a:endParaRPr lang="en-US"/>
           </a:p>
         </p:txBody>
       </p:sp>

--- a/presentations/source/03-JAX-RS.pptx
+++ b/presentations/source/03-JAX-RS.pptx
@@ -5846,11 +5846,22 @@
                 <a:ea typeface="ヒラギノ角ゴ ProN W3" charset="0"/>
                 <a:cs typeface="ヒラギノ角ゴ ProN W3" charset="0"/>
               </a:rPr>
-              <a:t>Dec 2012</a:t>
-            </a:r>
-          </a:p>
-          <a:p>
-            <a:endParaRPr lang="en-US"/>
+              <a:t>Dec </a:t>
+            </a:r>
+            <a:r>
+              <a:rPr lang="en-US" smtClean="0">
+                <a:ea typeface="ヒラギノ角ゴ ProN W3" charset="0"/>
+                <a:cs typeface="ヒラギノ角ゴ ProN W3" charset="0"/>
+              </a:rPr>
+              <a:t>2013</a:t>
+            </a:r>
+            <a:endParaRPr lang="en-US">
+              <a:ea typeface="ヒラギノ角ゴ ProN W3" charset="0"/>
+              <a:cs typeface="ヒラギノ角ゴ ProN W3" charset="0"/>
+            </a:endParaRPr>
+          </a:p>
+          <a:p>
+            <a:endParaRPr lang="en-US" dirty="0"/>
           </a:p>
         </p:txBody>
       </p:sp>

--- a/presentations/source/03-JAX-RS.pptx
+++ b/presentations/source/03-JAX-RS.pptx
@@ -216,7 +216,7 @@
             <a:fld id="{7307762F-A706-E543-A832-3C298AA3103F}" type="datetimeFigureOut">
               <a:rPr lang="en-US" smtClean="0"/>
               <a:pPr/>
-              <a:t>11/27/13</a:t>
+              <a:t>11/21/14</a:t>
             </a:fld>
             <a:endParaRPr lang="en-US" dirty="0"/>
           </a:p>
@@ -678,7 +678,7 @@
           <a:p>
             <a:fld id="{875CF0EB-321F-0749-B37A-89BBA859503C}" type="datetimeFigureOut">
               <a:rPr lang="en-US" smtClean="0"/>
-              <a:t>11/27/13</a:t>
+              <a:t>11/21/14</a:t>
             </a:fld>
             <a:endParaRPr lang="en-US"/>
           </a:p>
@@ -872,7 +872,7 @@
           <a:p>
             <a:fld id="{875CF0EB-321F-0749-B37A-89BBA859503C}" type="datetimeFigureOut">
               <a:rPr lang="en-US" smtClean="0"/>
-              <a:t>11/27/13</a:t>
+              <a:t>11/21/14</a:t>
             </a:fld>
             <a:endParaRPr lang="en-US"/>
           </a:p>
@@ -1076,7 +1076,7 @@
           <a:p>
             <a:fld id="{875CF0EB-321F-0749-B37A-89BBA859503C}" type="datetimeFigureOut">
               <a:rPr lang="en-US" smtClean="0"/>
-              <a:t>11/27/13</a:t>
+              <a:t>11/21/14</a:t>
             </a:fld>
             <a:endParaRPr lang="en-US"/>
           </a:p>
@@ -1270,7 +1270,7 @@
           <a:p>
             <a:fld id="{875CF0EB-321F-0749-B37A-89BBA859503C}" type="datetimeFigureOut">
               <a:rPr lang="en-US" smtClean="0"/>
-              <a:t>11/27/13</a:t>
+              <a:t>11/21/14</a:t>
             </a:fld>
             <a:endParaRPr lang="en-US"/>
           </a:p>
@@ -1540,7 +1540,7 @@
           <a:p>
             <a:fld id="{875CF0EB-321F-0749-B37A-89BBA859503C}" type="datetimeFigureOut">
               <a:rPr lang="en-US" smtClean="0"/>
-              <a:t>11/27/13</a:t>
+              <a:t>11/21/14</a:t>
             </a:fld>
             <a:endParaRPr lang="en-US"/>
           </a:p>
@@ -1852,7 +1852,7 @@
           <a:p>
             <a:fld id="{875CF0EB-321F-0749-B37A-89BBA859503C}" type="datetimeFigureOut">
               <a:rPr lang="en-US" smtClean="0"/>
-              <a:t>11/27/13</a:t>
+              <a:t>11/21/14</a:t>
             </a:fld>
             <a:endParaRPr lang="en-US"/>
           </a:p>
@@ -2298,7 +2298,7 @@
           <a:p>
             <a:fld id="{875CF0EB-321F-0749-B37A-89BBA859503C}" type="datetimeFigureOut">
               <a:rPr lang="en-US" smtClean="0"/>
-              <a:t>11/27/13</a:t>
+              <a:t>11/21/14</a:t>
             </a:fld>
             <a:endParaRPr lang="en-US"/>
           </a:p>
@@ -2440,7 +2440,7 @@
           <a:p>
             <a:fld id="{875CF0EB-321F-0749-B37A-89BBA859503C}" type="datetimeFigureOut">
               <a:rPr lang="en-US" smtClean="0"/>
-              <a:t>11/27/13</a:t>
+              <a:t>11/21/14</a:t>
             </a:fld>
             <a:endParaRPr lang="en-US"/>
           </a:p>
@@ -2559,7 +2559,7 @@
           <a:p>
             <a:fld id="{875CF0EB-321F-0749-B37A-89BBA859503C}" type="datetimeFigureOut">
               <a:rPr lang="en-US" smtClean="0"/>
-              <a:t>11/27/13</a:t>
+              <a:t>11/21/14</a:t>
             </a:fld>
             <a:endParaRPr lang="en-US"/>
           </a:p>
@@ -2860,7 +2860,7 @@
           <a:p>
             <a:fld id="{875CF0EB-321F-0749-B37A-89BBA859503C}" type="datetimeFigureOut">
               <a:rPr lang="en-US" smtClean="0"/>
-              <a:t>11/27/13</a:t>
+              <a:t>11/21/14</a:t>
             </a:fld>
             <a:endParaRPr lang="en-US"/>
           </a:p>
@@ -3137,7 +3137,7 @@
           <a:p>
             <a:fld id="{875CF0EB-321F-0749-B37A-89BBA859503C}" type="datetimeFigureOut">
               <a:rPr lang="en-US" smtClean="0"/>
-              <a:t>11/27/13</a:t>
+              <a:t>11/21/14</a:t>
             </a:fld>
             <a:endParaRPr lang="en-US"/>
           </a:p>
@@ -5853,7 +5853,7 @@
                 <a:ea typeface="ヒラギノ角ゴ ProN W3" charset="0"/>
                 <a:cs typeface="ヒラギノ角ゴ ProN W3" charset="0"/>
               </a:rPr>
-              <a:t>2013</a:t>
+              <a:t>2014</a:t>
             </a:r>
             <a:endParaRPr lang="en-US">
               <a:ea typeface="ヒラギノ角ゴ ProN W3" charset="0"/>

--- a/presentations/source/03-JAX-RS.pptx
+++ b/presentations/source/03-JAX-RS.pptx
@@ -5,7 +5,7 @@
     <p:sldMasterId id="2147483648" r:id="rId1"/>
   </p:sldMasterIdLst>
   <p:notesMasterIdLst>
-    <p:notesMasterId r:id="rId22"/>
+    <p:notesMasterId r:id="rId23"/>
   </p:notesMasterIdLst>
   <p:sldIdLst>
     <p:sldId id="256" r:id="rId2"/>
@@ -22,12 +22,13 @@
     <p:sldId id="284" r:id="rId13"/>
     <p:sldId id="285" r:id="rId14"/>
     <p:sldId id="286" r:id="rId15"/>
-    <p:sldId id="287" r:id="rId16"/>
-    <p:sldId id="288" r:id="rId17"/>
-    <p:sldId id="298" r:id="rId18"/>
-    <p:sldId id="289" r:id="rId19"/>
-    <p:sldId id="297" r:id="rId20"/>
-    <p:sldId id="295" r:id="rId21"/>
+    <p:sldId id="299" r:id="rId16"/>
+    <p:sldId id="287" r:id="rId17"/>
+    <p:sldId id="288" r:id="rId18"/>
+    <p:sldId id="298" r:id="rId19"/>
+    <p:sldId id="289" r:id="rId20"/>
+    <p:sldId id="297" r:id="rId21"/>
+    <p:sldId id="295" r:id="rId22"/>
   </p:sldIdLst>
   <p:sldSz cx="9144000" cy="6858000" type="screen4x3"/>
   <p:notesSz cx="6858000" cy="9144000"/>
@@ -216,7 +217,7 @@
             <a:fld id="{7307762F-A706-E543-A832-3C298AA3103F}" type="datetimeFigureOut">
               <a:rPr lang="en-US" smtClean="0"/>
               <a:pPr/>
-              <a:t>11/21/14</a:t>
+              <a:t>12/1/14</a:t>
             </a:fld>
             <a:endParaRPr lang="en-US" dirty="0"/>
           </a:p>
@@ -678,7 +679,7 @@
           <a:p>
             <a:fld id="{875CF0EB-321F-0749-B37A-89BBA859503C}" type="datetimeFigureOut">
               <a:rPr lang="en-US" smtClean="0"/>
-              <a:t>11/21/14</a:t>
+              <a:t>12/1/14</a:t>
             </a:fld>
             <a:endParaRPr lang="en-US"/>
           </a:p>
@@ -872,7 +873,7 @@
           <a:p>
             <a:fld id="{875CF0EB-321F-0749-B37A-89BBA859503C}" type="datetimeFigureOut">
               <a:rPr lang="en-US" smtClean="0"/>
-              <a:t>11/21/14</a:t>
+              <a:t>12/1/14</a:t>
             </a:fld>
             <a:endParaRPr lang="en-US"/>
           </a:p>
@@ -1076,7 +1077,7 @@
           <a:p>
             <a:fld id="{875CF0EB-321F-0749-B37A-89BBA859503C}" type="datetimeFigureOut">
               <a:rPr lang="en-US" smtClean="0"/>
-              <a:t>11/21/14</a:t>
+              <a:t>12/1/14</a:t>
             </a:fld>
             <a:endParaRPr lang="en-US"/>
           </a:p>
@@ -1270,7 +1271,7 @@
           <a:p>
             <a:fld id="{875CF0EB-321F-0749-B37A-89BBA859503C}" type="datetimeFigureOut">
               <a:rPr lang="en-US" smtClean="0"/>
-              <a:t>11/21/14</a:t>
+              <a:t>12/1/14</a:t>
             </a:fld>
             <a:endParaRPr lang="en-US"/>
           </a:p>
@@ -1540,7 +1541,7 @@
           <a:p>
             <a:fld id="{875CF0EB-321F-0749-B37A-89BBA859503C}" type="datetimeFigureOut">
               <a:rPr lang="en-US" smtClean="0"/>
-              <a:t>11/21/14</a:t>
+              <a:t>12/1/14</a:t>
             </a:fld>
             <a:endParaRPr lang="en-US"/>
           </a:p>
@@ -1852,7 +1853,7 @@
           <a:p>
             <a:fld id="{875CF0EB-321F-0749-B37A-89BBA859503C}" type="datetimeFigureOut">
               <a:rPr lang="en-US" smtClean="0"/>
-              <a:t>11/21/14</a:t>
+              <a:t>12/1/14</a:t>
             </a:fld>
             <a:endParaRPr lang="en-US"/>
           </a:p>
@@ -2298,7 +2299,7 @@
           <a:p>
             <a:fld id="{875CF0EB-321F-0749-B37A-89BBA859503C}" type="datetimeFigureOut">
               <a:rPr lang="en-US" smtClean="0"/>
-              <a:t>11/21/14</a:t>
+              <a:t>12/1/14</a:t>
             </a:fld>
             <a:endParaRPr lang="en-US"/>
           </a:p>
@@ -2440,7 +2441,7 @@
           <a:p>
             <a:fld id="{875CF0EB-321F-0749-B37A-89BBA859503C}" type="datetimeFigureOut">
               <a:rPr lang="en-US" smtClean="0"/>
-              <a:t>11/21/14</a:t>
+              <a:t>12/1/14</a:t>
             </a:fld>
             <a:endParaRPr lang="en-US"/>
           </a:p>
@@ -2559,7 +2560,7 @@
           <a:p>
             <a:fld id="{875CF0EB-321F-0749-B37A-89BBA859503C}" type="datetimeFigureOut">
               <a:rPr lang="en-US" smtClean="0"/>
-              <a:t>11/21/14</a:t>
+              <a:t>12/1/14</a:t>
             </a:fld>
             <a:endParaRPr lang="en-US"/>
           </a:p>
@@ -2860,7 +2861,7 @@
           <a:p>
             <a:fld id="{875CF0EB-321F-0749-B37A-89BBA859503C}" type="datetimeFigureOut">
               <a:rPr lang="en-US" smtClean="0"/>
-              <a:t>11/21/14</a:t>
+              <a:t>12/1/14</a:t>
             </a:fld>
             <a:endParaRPr lang="en-US"/>
           </a:p>
@@ -3137,7 +3138,7 @@
           <a:p>
             <a:fld id="{875CF0EB-321F-0749-B37A-89BBA859503C}" type="datetimeFigureOut">
               <a:rPr lang="en-US" smtClean="0"/>
-              <a:t>11/21/14</a:t>
+              <a:t>12/1/14</a:t>
             </a:fld>
             <a:endParaRPr lang="en-US"/>
           </a:p>
@@ -7598,12 +7599,22 @@
         </p:nvSpPr>
         <p:spPr/>
         <p:txBody>
-          <a:bodyPr/>
+          <a:bodyPr>
+            <a:normAutofit/>
+          </a:bodyPr>
           <a:lstStyle/>
           <a:p>
             <a:r>
               <a:rPr lang="en-US" dirty="0" smtClean="0"/>
-              <a:t>Content Marshalling</a:t>
+              <a:t>The </a:t>
+            </a:r>
+            <a:r>
+              <a:rPr lang="en-US" dirty="0"/>
+              <a:t>R</a:t>
+            </a:r>
+            <a:r>
+              <a:rPr lang="en-US" dirty="0" smtClean="0"/>
+              <a:t>esponse Body</a:t>
             </a:r>
             <a:endParaRPr lang="en-US" dirty="0"/>
           </a:p>
@@ -7621,93 +7632,73 @@
         </p:nvSpPr>
         <p:spPr/>
         <p:txBody>
-          <a:bodyPr>
-            <a:normAutofit fontScale="85000" lnSpcReduction="10000"/>
-          </a:bodyPr>
+          <a:bodyPr/>
           <a:lstStyle/>
           <a:p>
-            <a:pPr algn="just">
-              <a:lnSpc>
-                <a:spcPct val="150000"/>
-              </a:lnSpc>
-              <a:tabLst>
-                <a:tab pos="656722" algn="l"/>
-                <a:tab pos="1313444" algn="l"/>
-                <a:tab pos="1970166" algn="l"/>
-                <a:tab pos="2626888" algn="l"/>
-                <a:tab pos="3283610" algn="l"/>
-                <a:tab pos="3940332" algn="l"/>
-                <a:tab pos="4597055" algn="l"/>
-                <a:tab pos="5253777" algn="l"/>
-                <a:tab pos="5910499" algn="l"/>
-                <a:tab pos="6567221" algn="l"/>
-                <a:tab pos="7223943" algn="l"/>
-              </a:tabLst>
-            </a:pPr>
-            <a:r>
-              <a:rPr lang="en-US" dirty="0" smtClean="0">
-                <a:ea typeface="Droid Sans Fallback" charset="0"/>
-                <a:cs typeface="Droid Sans Fallback" charset="0"/>
-              </a:rPr>
-              <a:t>JAX-RS allows you to write HTTP message body readers and writers that know how to </a:t>
-            </a:r>
-            <a:r>
-              <a:rPr lang="en-US" dirty="0" err="1" smtClean="0">
-                <a:ea typeface="Droid Sans Fallback" charset="0"/>
-                <a:cs typeface="Droid Sans Fallback" charset="0"/>
-              </a:rPr>
-              <a:t>marshall</a:t>
-            </a:r>
-            <a:r>
-              <a:rPr lang="en-US" dirty="0" smtClean="0">
-                <a:ea typeface="Droid Sans Fallback" charset="0"/>
-                <a:cs typeface="Droid Sans Fallback" charset="0"/>
-              </a:rPr>
-              <a:t> a specific Java type to and from a specific mime type.</a:t>
-            </a:r>
-          </a:p>
-          <a:p>
-            <a:pPr algn="just">
-              <a:lnSpc>
-                <a:spcPct val="150000"/>
-              </a:lnSpc>
-              <a:tabLst>
-                <a:tab pos="656722" algn="l"/>
-                <a:tab pos="1313444" algn="l"/>
-                <a:tab pos="1970166" algn="l"/>
-                <a:tab pos="2626888" algn="l"/>
-                <a:tab pos="3283610" algn="l"/>
-                <a:tab pos="3940332" algn="l"/>
-                <a:tab pos="4597055" algn="l"/>
-                <a:tab pos="5253777" algn="l"/>
-                <a:tab pos="5910499" algn="l"/>
-                <a:tab pos="6567221" algn="l"/>
-                <a:tab pos="7223943" algn="l"/>
-              </a:tabLst>
-            </a:pPr>
-            <a:r>
-              <a:rPr lang="en-US" dirty="0" smtClean="0">
-                <a:ea typeface="Droid Sans Fallback" charset="0"/>
-                <a:cs typeface="Droid Sans Fallback" charset="0"/>
-              </a:rPr>
-              <a:t>The JAX-RS specification has some required built-in </a:t>
-            </a:r>
-            <a:r>
-              <a:rPr lang="en-US" dirty="0" err="1" smtClean="0">
-                <a:ea typeface="Droid Sans Fallback" charset="0"/>
-                <a:cs typeface="Droid Sans Fallback" charset="0"/>
-              </a:rPr>
-              <a:t>marshallers</a:t>
-            </a:r>
-            <a:r>
-              <a:rPr lang="en-US" dirty="0" smtClean="0">
-                <a:ea typeface="Droid Sans Fallback" charset="0"/>
-                <a:cs typeface="Droid Sans Fallback" charset="0"/>
-              </a:rPr>
-              <a:t>. For instance, vendors are required to provide support for marshalling JAXB annotated classes.</a:t>
-            </a:r>
-          </a:p>
-          <a:p>
+            <a:pPr marL="0" indent="0">
+              <a:buNone/>
+            </a:pPr>
+            <a:endParaRPr lang="en-US" b="1" dirty="0" smtClean="0"/>
+          </a:p>
+          <a:p>
+            <a:pPr marL="0" indent="0">
+              <a:buNone/>
+            </a:pPr>
+            <a:endParaRPr lang="en-US" b="1" dirty="0"/>
+          </a:p>
+          <a:p>
+            <a:pPr marL="0" indent="0">
+              <a:buNone/>
+            </a:pPr>
+            <a:r>
+              <a:rPr lang="en-US" b="1" dirty="0" smtClean="0"/>
+              <a:t>return </a:t>
+            </a:r>
+            <a:r>
+              <a:rPr lang="en-US" b="1" dirty="0" err="1"/>
+              <a:t>Response.ok</a:t>
+            </a:r>
+            <a:r>
+              <a:rPr lang="en-US" b="1" dirty="0"/>
+              <a:t>().</a:t>
+            </a:r>
+            <a:r>
+              <a:rPr lang="en-US" b="1" i="1" dirty="0"/>
+              <a:t>entity</a:t>
+            </a:r>
+            <a:r>
+              <a:rPr lang="en-US" b="1" i="1" dirty="0" smtClean="0"/>
+              <a:t>(</a:t>
+            </a:r>
+            <a:r>
+              <a:rPr lang="en-US" b="1" i="1" dirty="0" err="1" smtClean="0"/>
+              <a:t>response_body</a:t>
+            </a:r>
+            <a:r>
+              <a:rPr lang="en-US" b="1" i="1" dirty="0" smtClean="0"/>
+              <a:t>)</a:t>
+            </a:r>
+            <a:r>
+              <a:rPr lang="en-US" b="1" dirty="0"/>
+              <a:t>.build()</a:t>
+            </a:r>
+            <a:r>
+              <a:rPr lang="en-US" b="1" dirty="0" smtClean="0"/>
+              <a:t>;</a:t>
+            </a:r>
+            <a:br>
+              <a:rPr lang="en-US" b="1" dirty="0" smtClean="0"/>
+            </a:br>
+            <a:endParaRPr lang="en-US" b="1" dirty="0" smtClean="0"/>
+          </a:p>
+          <a:p>
+            <a:pPr marL="0" indent="0">
+              <a:buNone/>
+            </a:pPr>
+            <a:r>
+              <a:rPr lang="en-US" b="1" dirty="0" smtClean="0"/>
+              <a:t/>
+            </a:r>
             <a:endParaRPr lang="en-US" dirty="0"/>
           </a:p>
         </p:txBody>
@@ -7715,20 +7706,13 @@
     </p:spTree>
     <p:extLst>
       <p:ext uri="{BB962C8B-B14F-4D97-AF65-F5344CB8AC3E}">
-        <p14:creationId xmlns:p14="http://schemas.microsoft.com/office/powerpoint/2010/main" val="80330134"/>
+        <p14:creationId xmlns:p14="http://schemas.microsoft.com/office/powerpoint/2010/main" val="3846924759"/>
       </p:ext>
     </p:extLst>
   </p:cSld>
   <p:clrMapOvr>
     <a:masterClrMapping/>
   </p:clrMapOvr>
-  <p:timing>
-    <p:tnLst>
-      <p:par>
-        <p:cTn xmlns:p14="http://schemas.microsoft.com/office/powerpoint/2010/main" id="1" dur="indefinite" restart="never" nodeType="tmRoot"/>
-      </p:par>
-    </p:tnLst>
-  </p:timing>
 </p:sld>
 </file>
 
@@ -7766,7 +7750,7 @@
           <a:p>
             <a:r>
               <a:rPr lang="en-US" dirty="0" smtClean="0"/>
-              <a:t>Response Codes</a:t>
+              <a:t>Content Marshalling</a:t>
             </a:r>
             <a:endParaRPr lang="en-US" dirty="0"/>
           </a:p>
@@ -7785,7 +7769,7 @@
         <p:spPr/>
         <p:txBody>
           <a:bodyPr>
-            <a:normAutofit fontScale="70000" lnSpcReduction="20000"/>
+            <a:normAutofit fontScale="77500" lnSpcReduction="20000"/>
           </a:bodyPr>
           <a:lstStyle/>
           <a:p>
@@ -7812,65 +7796,21 @@
                 <a:ea typeface="Droid Sans Fallback" charset="0"/>
                 <a:cs typeface="Droid Sans Fallback" charset="0"/>
               </a:rPr>
-              <a:t>The HTTP specification defines what HTTP response codes should be on a successful request. </a:t>
-            </a:r>
-          </a:p>
-          <a:p>
-            <a:pPr lvl="1" algn="just">
-              <a:lnSpc>
-                <a:spcPct val="150000"/>
-              </a:lnSpc>
-              <a:buFont typeface="Arial" pitchFamily="34" charset="0"/>
-              <a:buChar char="•"/>
-              <a:tabLst>
-                <a:tab pos="656722" algn="l"/>
-                <a:tab pos="1313444" algn="l"/>
-                <a:tab pos="1970166" algn="l"/>
-                <a:tab pos="2626888" algn="l"/>
-                <a:tab pos="3283610" algn="l"/>
-                <a:tab pos="3940332" algn="l"/>
-                <a:tab pos="4597055" algn="l"/>
-                <a:tab pos="5253777" algn="l"/>
-                <a:tab pos="5910499" algn="l"/>
-                <a:tab pos="6567221" algn="l"/>
-                <a:tab pos="7223943" algn="l"/>
-              </a:tabLst>
-            </a:pPr>
-            <a:r>
-              <a:rPr lang="en-US" dirty="0" smtClean="0">
+              <a:t>JAX-RS allows you to write HTTP message body readers and writers that know how to </a:t>
+            </a:r>
+            <a:r>
+              <a:rPr lang="en-US" dirty="0" err="1" smtClean="0">
                 <a:ea typeface="Droid Sans Fallback" charset="0"/>
                 <a:cs typeface="Droid Sans Fallback" charset="0"/>
               </a:rPr>
-              <a:t>GET should return 200 OK</a:t>
-            </a:r>
-          </a:p>
-          <a:p>
-            <a:pPr lvl="1" algn="just">
-              <a:lnSpc>
-                <a:spcPct val="150000"/>
-              </a:lnSpc>
-              <a:buFont typeface="Arial" pitchFamily="34" charset="0"/>
-              <a:buChar char="•"/>
-              <a:tabLst>
-                <a:tab pos="656722" algn="l"/>
-                <a:tab pos="1313444" algn="l"/>
-                <a:tab pos="1970166" algn="l"/>
-                <a:tab pos="2626888" algn="l"/>
-                <a:tab pos="3283610" algn="l"/>
-                <a:tab pos="3940332" algn="l"/>
-                <a:tab pos="4597055" algn="l"/>
-                <a:tab pos="5253777" algn="l"/>
-                <a:tab pos="5910499" algn="l"/>
-                <a:tab pos="6567221" algn="l"/>
-                <a:tab pos="7223943" algn="l"/>
-              </a:tabLst>
-            </a:pPr>
+              <a:t>marshall</a:t>
+            </a:r>
             <a:r>
               <a:rPr lang="en-US" dirty="0" smtClean="0">
                 <a:ea typeface="Droid Sans Fallback" charset="0"/>
                 <a:cs typeface="Droid Sans Fallback" charset="0"/>
               </a:rPr>
-              <a:t>POST should return 201 Created </a:t>
+              <a:t> a specific Java type to and from a specific mime type.</a:t>
             </a:r>
           </a:p>
           <a:p>
@@ -7897,7 +7837,28 @@
                 <a:ea typeface="Droid Sans Fallback" charset="0"/>
                 <a:cs typeface="Droid Sans Fallback" charset="0"/>
               </a:rPr>
-              <a:t>You can expect JAX-RS to return the same default response codes.</a:t>
+              <a:t>The JAX-RS specification has some required built-in </a:t>
+            </a:r>
+            <a:r>
+              <a:rPr lang="en-US" dirty="0" err="1" smtClean="0">
+                <a:ea typeface="Droid Sans Fallback" charset="0"/>
+                <a:cs typeface="Droid Sans Fallback" charset="0"/>
+              </a:rPr>
+              <a:t>marshallers</a:t>
+            </a:r>
+            <a:r>
+              <a:rPr lang="en-US" dirty="0" smtClean="0">
+                <a:ea typeface="Droid Sans Fallback" charset="0"/>
+                <a:cs typeface="Droid Sans Fallback" charset="0"/>
+              </a:rPr>
+              <a:t>. For instance, vendors are required to provide support for marshalling JAXB annotated classes</a:t>
+            </a:r>
+            <a:r>
+              <a:rPr lang="en-US" dirty="0" smtClean="0">
+                <a:ea typeface="Droid Sans Fallback" charset="0"/>
+                <a:cs typeface="Droid Sans Fallback" charset="0"/>
+              </a:rPr>
+              <a:t>.</a:t>
             </a:r>
           </a:p>
           <a:p>
@@ -7924,17 +7885,21 @@
                 <a:ea typeface="Droid Sans Fallback" charset="0"/>
                 <a:cs typeface="Droid Sans Fallback" charset="0"/>
               </a:rPr>
-              <a:t>Sometimes, however, you need to specify your own response codes, or simply to add specific headers or cookies to your HTTP response. JAX-RS provides a Response class for this.</a:t>
-            </a:r>
-          </a:p>
-          <a:p>
-            <a:pPr>
-              <a:lnSpc>
-                <a:spcPct val="150000"/>
-              </a:lnSpc>
-              <a:buFont typeface="Arial" pitchFamily="34" charset="0"/>
-              <a:buChar char="•"/>
-            </a:pPr>
+              <a:t>The details are beyond this course, but look up </a:t>
+            </a:r>
+            <a:r>
+              <a:rPr lang="en-US" b="1" dirty="0" smtClean="0">
+                <a:ea typeface="Droid Sans Fallback" charset="0"/>
+                <a:cs typeface="Droid Sans Fallback" charset="0"/>
+              </a:rPr>
+              <a:t>@Provider</a:t>
+            </a:r>
+            <a:endParaRPr lang="en-US" b="1" dirty="0" smtClean="0">
+              <a:ea typeface="Droid Sans Fallback" charset="0"/>
+              <a:cs typeface="Droid Sans Fallback" charset="0"/>
+            </a:endParaRPr>
+          </a:p>
+          <a:p>
             <a:endParaRPr lang="en-US" dirty="0"/>
           </a:p>
         </p:txBody>
@@ -7942,7 +7907,7 @@
     </p:spTree>
     <p:extLst>
       <p:ext uri="{BB962C8B-B14F-4D97-AF65-F5344CB8AC3E}">
-        <p14:creationId xmlns:p14="http://schemas.microsoft.com/office/powerpoint/2010/main" val="3414882078"/>
+        <p14:creationId xmlns:p14="http://schemas.microsoft.com/office/powerpoint/2010/main" val="80330134"/>
       </p:ext>
     </p:extLst>
   </p:cSld>
@@ -7993,7 +7958,7 @@
           <a:p>
             <a:r>
               <a:rPr lang="en-US" dirty="0" smtClean="0"/>
-              <a:t>Examples of creating Responses</a:t>
+              <a:t>Response Codes</a:t>
             </a:r>
             <a:endParaRPr lang="en-US" dirty="0"/>
           </a:p>
@@ -8012,231 +7977,164 @@
         <p:spPr/>
         <p:txBody>
           <a:bodyPr>
-            <a:normAutofit fontScale="92500" lnSpcReduction="20000"/>
+            <a:normAutofit fontScale="70000" lnSpcReduction="20000"/>
           </a:bodyPr>
           <a:lstStyle/>
           <a:p>
-            <a:pPr marL="0" indent="0">
-              <a:buNone/>
-            </a:pPr>
-            <a:r>
-              <a:rPr lang="en-US" i="1" dirty="0" smtClean="0"/>
-              <a:t>200 OK:</a:t>
-            </a:r>
-          </a:p>
-          <a:p>
-            <a:pPr marL="0" indent="0">
-              <a:buNone/>
-            </a:pPr>
-            <a:r>
-              <a:rPr lang="en-US" dirty="0">
-                <a:latin typeface="Courier"/>
-                <a:cs typeface="Courier"/>
-              </a:rPr>
-              <a:t>return </a:t>
-            </a:r>
-            <a:r>
-              <a:rPr lang="en-US" dirty="0" err="1">
-                <a:latin typeface="Courier"/>
-                <a:cs typeface="Courier"/>
-              </a:rPr>
-              <a:t>Response.ok</a:t>
-            </a:r>
-            <a:r>
-              <a:rPr lang="en-US" dirty="0">
-                <a:latin typeface="Courier"/>
-                <a:cs typeface="Courier"/>
-              </a:rPr>
-              <a:t>().build();</a:t>
-            </a:r>
-            <a:endParaRPr lang="en-US" dirty="0" smtClean="0">
-              <a:latin typeface="Courier"/>
-              <a:cs typeface="Courier"/>
-            </a:endParaRPr>
-          </a:p>
-          <a:p>
-            <a:pPr marL="0" indent="0">
-              <a:buNone/>
-            </a:pPr>
-            <a:r>
-              <a:rPr lang="en-US" i="1" dirty="0" smtClean="0"/>
-              <a:t>201 Created</a:t>
-            </a:r>
-            <a:br>
-              <a:rPr lang="en-US" i="1" dirty="0" smtClean="0"/>
-            </a:br>
-            <a:r>
-              <a:rPr lang="en-US" dirty="0" smtClean="0">
-                <a:latin typeface="Courier"/>
-                <a:cs typeface="Courier"/>
-              </a:rPr>
-              <a:t>return </a:t>
-            </a:r>
-            <a:r>
-              <a:rPr lang="en-US" dirty="0" err="1" smtClean="0">
-                <a:latin typeface="Courier"/>
-                <a:cs typeface="Courier"/>
-              </a:rPr>
-              <a:t>Response.created</a:t>
-            </a:r>
-            <a:r>
-              <a:rPr lang="en-US" dirty="0" smtClean="0">
-                <a:latin typeface="Courier"/>
-                <a:cs typeface="Courier"/>
-              </a:rPr>
-              <a:t>(</a:t>
-            </a:r>
-            <a:br>
-              <a:rPr lang="en-US" dirty="0" smtClean="0">
-                <a:latin typeface="Courier"/>
-                <a:cs typeface="Courier"/>
-              </a:rPr>
-            </a:br>
-            <a:r>
-              <a:rPr lang="en-US" dirty="0" smtClean="0">
-                <a:latin typeface="Courier"/>
-                <a:cs typeface="Courier"/>
-              </a:rPr>
-              <a:t> </a:t>
-            </a:r>
-            <a:r>
-              <a:rPr lang="en-US" dirty="0" err="1" smtClean="0">
-                <a:latin typeface="Courier"/>
-                <a:cs typeface="Courier"/>
-              </a:rPr>
-              <a:t>URI.create</a:t>
-            </a:r>
-            <a:r>
-              <a:rPr lang="en-US" dirty="0" smtClean="0">
-                <a:latin typeface="Courier"/>
-                <a:cs typeface="Courier"/>
-              </a:rPr>
-              <a:t/>
-            </a:r>
-            <a:br>
-              <a:rPr lang="en-US" dirty="0" smtClean="0">
-                <a:latin typeface="Courier"/>
-                <a:cs typeface="Courier"/>
-              </a:rPr>
-            </a:br>
-            <a:r>
-              <a:rPr lang="en-US" dirty="0" smtClean="0">
-                <a:latin typeface="Courier"/>
-                <a:cs typeface="Courier"/>
-              </a:rPr>
-              <a:t> (</a:t>
-            </a:r>
-            <a:r>
-              <a:rPr lang="en-US" dirty="0">
-                <a:latin typeface="Courier"/>
-                <a:cs typeface="Courier"/>
-              </a:rPr>
-              <a:t>"orders/" + </a:t>
-            </a:r>
-            <a:r>
-              <a:rPr lang="en-US" dirty="0" err="1" smtClean="0">
-                <a:latin typeface="Courier"/>
-                <a:cs typeface="Courier"/>
-              </a:rPr>
-              <a:t>uuid</a:t>
-            </a:r>
-            <a:r>
-              <a:rPr lang="en-US" dirty="0" smtClean="0">
-                <a:latin typeface="Courier"/>
-                <a:cs typeface="Courier"/>
-              </a:rPr>
-              <a:t>)).</a:t>
-            </a:r>
-            <a:r>
-              <a:rPr lang="en-US" dirty="0">
-                <a:latin typeface="Courier"/>
-                <a:cs typeface="Courier"/>
-              </a:rPr>
-              <a:t>build();</a:t>
-            </a:r>
-          </a:p>
-          <a:p>
-            <a:pPr marL="0" indent="0">
-              <a:buNone/>
-            </a:pPr>
-            <a:r>
-              <a:rPr lang="en-US" i="1" dirty="0" smtClean="0"/>
-              <a:t>404 Not Found</a:t>
-            </a:r>
-          </a:p>
-          <a:p>
-            <a:pPr marL="0" indent="0">
-              <a:buNone/>
-            </a:pPr>
-            <a:r>
-              <a:rPr lang="en-US" dirty="0">
-                <a:latin typeface="Courier"/>
-                <a:cs typeface="Courier"/>
-              </a:rPr>
-              <a:t>return </a:t>
-            </a:r>
-            <a:r>
-              <a:rPr lang="en-US" dirty="0" err="1">
-                <a:latin typeface="Courier"/>
-                <a:cs typeface="Courier"/>
-              </a:rPr>
-              <a:t>Response.status</a:t>
-            </a:r>
-            <a:r>
-              <a:rPr lang="en-US" dirty="0">
-                <a:latin typeface="Courier"/>
-                <a:cs typeface="Courier"/>
-              </a:rPr>
-              <a:t>(</a:t>
-            </a:r>
-            <a:r>
-              <a:rPr lang="en-US" dirty="0" err="1">
-                <a:latin typeface="Courier"/>
-                <a:cs typeface="Courier"/>
-              </a:rPr>
-              <a:t>Status.NOT_FOUND</a:t>
-            </a:r>
-            <a:r>
-              <a:rPr lang="en-US">
-                <a:latin typeface="Courier"/>
-                <a:cs typeface="Courier"/>
-              </a:rPr>
-              <a:t>)</a:t>
-            </a:r>
-            <a:r>
-              <a:rPr lang="en-US" smtClean="0">
-                <a:latin typeface="Courier"/>
-                <a:cs typeface="Courier"/>
-              </a:rPr>
-              <a:t>.</a:t>
-            </a:r>
-            <a:br>
-              <a:rPr lang="en-US" smtClean="0">
-                <a:latin typeface="Courier"/>
-                <a:cs typeface="Courier"/>
-              </a:rPr>
-            </a:br>
-            <a:r>
-              <a:rPr lang="en-US" smtClean="0">
-                <a:latin typeface="Courier"/>
-                <a:cs typeface="Courier"/>
-              </a:rPr>
-              <a:t>build</a:t>
-            </a:r>
-            <a:r>
-              <a:rPr lang="en-US" dirty="0">
-                <a:latin typeface="Courier"/>
-                <a:cs typeface="Courier"/>
-              </a:rPr>
-              <a:t>();</a:t>
-            </a:r>
+            <a:pPr algn="just">
+              <a:lnSpc>
+                <a:spcPct val="150000"/>
+              </a:lnSpc>
+              <a:tabLst>
+                <a:tab pos="656722" algn="l"/>
+                <a:tab pos="1313444" algn="l"/>
+                <a:tab pos="1970166" algn="l"/>
+                <a:tab pos="2626888" algn="l"/>
+                <a:tab pos="3283610" algn="l"/>
+                <a:tab pos="3940332" algn="l"/>
+                <a:tab pos="4597055" algn="l"/>
+                <a:tab pos="5253777" algn="l"/>
+                <a:tab pos="5910499" algn="l"/>
+                <a:tab pos="6567221" algn="l"/>
+                <a:tab pos="7223943" algn="l"/>
+              </a:tabLst>
+            </a:pPr>
+            <a:r>
+              <a:rPr lang="en-US" dirty="0" smtClean="0">
+                <a:ea typeface="Droid Sans Fallback" charset="0"/>
+                <a:cs typeface="Droid Sans Fallback" charset="0"/>
+              </a:rPr>
+              <a:t>The HTTP specification defines what HTTP response codes should be on a successful request. </a:t>
+            </a:r>
+          </a:p>
+          <a:p>
+            <a:pPr lvl="1" algn="just">
+              <a:lnSpc>
+                <a:spcPct val="150000"/>
+              </a:lnSpc>
+              <a:buFont typeface="Arial" pitchFamily="34" charset="0"/>
+              <a:buChar char="•"/>
+              <a:tabLst>
+                <a:tab pos="656722" algn="l"/>
+                <a:tab pos="1313444" algn="l"/>
+                <a:tab pos="1970166" algn="l"/>
+                <a:tab pos="2626888" algn="l"/>
+                <a:tab pos="3283610" algn="l"/>
+                <a:tab pos="3940332" algn="l"/>
+                <a:tab pos="4597055" algn="l"/>
+                <a:tab pos="5253777" algn="l"/>
+                <a:tab pos="5910499" algn="l"/>
+                <a:tab pos="6567221" algn="l"/>
+                <a:tab pos="7223943" algn="l"/>
+              </a:tabLst>
+            </a:pPr>
+            <a:r>
+              <a:rPr lang="en-US" dirty="0" smtClean="0">
+                <a:ea typeface="Droid Sans Fallback" charset="0"/>
+                <a:cs typeface="Droid Sans Fallback" charset="0"/>
+              </a:rPr>
+              <a:t>GET should return 200 OK</a:t>
+            </a:r>
+          </a:p>
+          <a:p>
+            <a:pPr lvl="1" algn="just">
+              <a:lnSpc>
+                <a:spcPct val="150000"/>
+              </a:lnSpc>
+              <a:buFont typeface="Arial" pitchFamily="34" charset="0"/>
+              <a:buChar char="•"/>
+              <a:tabLst>
+                <a:tab pos="656722" algn="l"/>
+                <a:tab pos="1313444" algn="l"/>
+                <a:tab pos="1970166" algn="l"/>
+                <a:tab pos="2626888" algn="l"/>
+                <a:tab pos="3283610" algn="l"/>
+                <a:tab pos="3940332" algn="l"/>
+                <a:tab pos="4597055" algn="l"/>
+                <a:tab pos="5253777" algn="l"/>
+                <a:tab pos="5910499" algn="l"/>
+                <a:tab pos="6567221" algn="l"/>
+                <a:tab pos="7223943" algn="l"/>
+              </a:tabLst>
+            </a:pPr>
+            <a:r>
+              <a:rPr lang="en-US" dirty="0" smtClean="0">
+                <a:ea typeface="Droid Sans Fallback" charset="0"/>
+                <a:cs typeface="Droid Sans Fallback" charset="0"/>
+              </a:rPr>
+              <a:t>POST should return 201 Created </a:t>
+            </a:r>
+          </a:p>
+          <a:p>
+            <a:pPr algn="just">
+              <a:lnSpc>
+                <a:spcPct val="150000"/>
+              </a:lnSpc>
+              <a:tabLst>
+                <a:tab pos="656722" algn="l"/>
+                <a:tab pos="1313444" algn="l"/>
+                <a:tab pos="1970166" algn="l"/>
+                <a:tab pos="2626888" algn="l"/>
+                <a:tab pos="3283610" algn="l"/>
+                <a:tab pos="3940332" algn="l"/>
+                <a:tab pos="4597055" algn="l"/>
+                <a:tab pos="5253777" algn="l"/>
+                <a:tab pos="5910499" algn="l"/>
+                <a:tab pos="6567221" algn="l"/>
+                <a:tab pos="7223943" algn="l"/>
+              </a:tabLst>
+            </a:pPr>
+            <a:r>
+              <a:rPr lang="en-US" dirty="0" smtClean="0">
+                <a:ea typeface="Droid Sans Fallback" charset="0"/>
+                <a:cs typeface="Droid Sans Fallback" charset="0"/>
+              </a:rPr>
+              <a:t>You can expect JAX-RS to return the same default response codes.</a:t>
+            </a:r>
+          </a:p>
+          <a:p>
+            <a:pPr algn="just">
+              <a:lnSpc>
+                <a:spcPct val="150000"/>
+              </a:lnSpc>
+              <a:tabLst>
+                <a:tab pos="656722" algn="l"/>
+                <a:tab pos="1313444" algn="l"/>
+                <a:tab pos="1970166" algn="l"/>
+                <a:tab pos="2626888" algn="l"/>
+                <a:tab pos="3283610" algn="l"/>
+                <a:tab pos="3940332" algn="l"/>
+                <a:tab pos="4597055" algn="l"/>
+                <a:tab pos="5253777" algn="l"/>
+                <a:tab pos="5910499" algn="l"/>
+                <a:tab pos="6567221" algn="l"/>
+                <a:tab pos="7223943" algn="l"/>
+              </a:tabLst>
+            </a:pPr>
+            <a:r>
+              <a:rPr lang="en-US" dirty="0" smtClean="0">
+                <a:ea typeface="Droid Sans Fallback" charset="0"/>
+                <a:cs typeface="Droid Sans Fallback" charset="0"/>
+              </a:rPr>
+              <a:t>Sometimes, however, you need to specify your own response codes, or simply to add specific headers or cookies to your HTTP response. JAX-RS provides a Response class for this.</a:t>
+            </a:r>
+          </a:p>
+          <a:p>
+            <a:pPr>
+              <a:lnSpc>
+                <a:spcPct val="150000"/>
+              </a:lnSpc>
+              <a:buFont typeface="Arial" pitchFamily="34" charset="0"/>
+              <a:buChar char="•"/>
+            </a:pPr>
+            <a:endParaRPr lang="en-US" dirty="0"/>
           </a:p>
         </p:txBody>
       </p:sp>
     </p:spTree>
     <p:extLst>
       <p:ext uri="{BB962C8B-B14F-4D97-AF65-F5344CB8AC3E}">
-        <p14:creationId xmlns:p14="http://schemas.microsoft.com/office/powerpoint/2010/main" val="1733198259"/>
+        <p14:creationId xmlns:p14="http://schemas.microsoft.com/office/powerpoint/2010/main" val="3414882078"/>
       </p:ext>
     </p:extLst>
   </p:cSld>
@@ -8287,7 +8185,7 @@
           <a:p>
             <a:r>
               <a:rPr lang="en-US" dirty="0" smtClean="0"/>
-              <a:t>Deployment</a:t>
+              <a:t>Examples of creating Responses</a:t>
             </a:r>
             <a:endParaRPr lang="en-US" dirty="0"/>
           </a:p>
@@ -8306,167 +8204,231 @@
         <p:spPr/>
         <p:txBody>
           <a:bodyPr>
-            <a:normAutofit fontScale="77500" lnSpcReduction="20000"/>
+            <a:normAutofit fontScale="92500" lnSpcReduction="20000"/>
           </a:bodyPr>
           <a:lstStyle/>
           <a:p>
-            <a:pPr algn="just">
-              <a:lnSpc>
-                <a:spcPct val="150000"/>
-              </a:lnSpc>
-              <a:tabLst>
-                <a:tab pos="656722" algn="l"/>
-                <a:tab pos="1313444" algn="l"/>
-                <a:tab pos="1970166" algn="l"/>
-                <a:tab pos="2626888" algn="l"/>
-                <a:tab pos="3283610" algn="l"/>
-                <a:tab pos="3940332" algn="l"/>
-                <a:tab pos="4597055" algn="l"/>
-                <a:tab pos="5253777" algn="l"/>
-                <a:tab pos="5910499" algn="l"/>
-                <a:tab pos="6567221" algn="l"/>
-                <a:tab pos="7223943" algn="l"/>
-              </a:tabLst>
-            </a:pPr>
-            <a:r>
-              <a:rPr lang="en-US" dirty="0" smtClean="0">
-                <a:ea typeface="Droid Sans Fallback" charset="0"/>
-                <a:cs typeface="Droid Sans Fallback" charset="0"/>
-              </a:rPr>
-              <a:t>JAX-RS applications are packaged in a WAR like a servlet.</a:t>
-            </a:r>
-          </a:p>
-          <a:p>
-            <a:pPr algn="just">
-              <a:lnSpc>
-                <a:spcPct val="150000"/>
-              </a:lnSpc>
-              <a:tabLst>
-                <a:tab pos="656722" algn="l"/>
-                <a:tab pos="1313444" algn="l"/>
-                <a:tab pos="1970166" algn="l"/>
-                <a:tab pos="2626888" algn="l"/>
-                <a:tab pos="3283610" algn="l"/>
-                <a:tab pos="3940332" algn="l"/>
-                <a:tab pos="4597055" algn="l"/>
-                <a:tab pos="5253777" algn="l"/>
-                <a:tab pos="5910499" algn="l"/>
-                <a:tab pos="6567221" algn="l"/>
-                <a:tab pos="7223943" algn="l"/>
-              </a:tabLst>
-            </a:pPr>
-            <a:r>
-              <a:rPr lang="en-US" dirty="0" smtClean="0">
-                <a:ea typeface="Droid Sans Fallback" charset="0"/>
-                <a:cs typeface="Droid Sans Fallback" charset="0"/>
-              </a:rPr>
-              <a:t>For CXF the “normal” approach is to use a Spring context to specify which JAX-RS classes should be exposed</a:t>
-            </a:r>
-          </a:p>
-          <a:p>
-            <a:pPr algn="just">
-              <a:lnSpc>
-                <a:spcPct val="150000"/>
-              </a:lnSpc>
-              <a:tabLst>
-                <a:tab pos="656722" algn="l"/>
-                <a:tab pos="1313444" algn="l"/>
-                <a:tab pos="1970166" algn="l"/>
-                <a:tab pos="2626888" algn="l"/>
-                <a:tab pos="3283610" algn="l"/>
-                <a:tab pos="3940332" algn="l"/>
-                <a:tab pos="4597055" algn="l"/>
-                <a:tab pos="5253777" algn="l"/>
-                <a:tab pos="5910499" algn="l"/>
-                <a:tab pos="6567221" algn="l"/>
-                <a:tab pos="7223943" algn="l"/>
-              </a:tabLst>
-            </a:pPr>
-            <a:r>
-              <a:rPr lang="en-US" dirty="0" smtClean="0">
-                <a:ea typeface="Droid Sans Fallback" charset="0"/>
-                <a:cs typeface="Droid Sans Fallback" charset="0"/>
-              </a:rPr>
-              <a:t>Simply copy the generated WAR to:</a:t>
-            </a:r>
-          </a:p>
-          <a:p>
-            <a:pPr marL="0" indent="0" algn="just">
-              <a:lnSpc>
-                <a:spcPct val="150000"/>
-              </a:lnSpc>
-              <a:buNone/>
-              <a:tabLst>
-                <a:tab pos="656722" algn="l"/>
-                <a:tab pos="1313444" algn="l"/>
-                <a:tab pos="1970166" algn="l"/>
-                <a:tab pos="2626888" algn="l"/>
-                <a:tab pos="3283610" algn="l"/>
-                <a:tab pos="3940332" algn="l"/>
-                <a:tab pos="4597055" algn="l"/>
-                <a:tab pos="5253777" algn="l"/>
-                <a:tab pos="5910499" algn="l"/>
-                <a:tab pos="6567221" algn="l"/>
-                <a:tab pos="7223943" algn="l"/>
-              </a:tabLst>
+            <a:pPr marL="0" indent="0">
+              <a:buNone/>
+            </a:pPr>
+            <a:r>
+              <a:rPr lang="en-US" i="1" dirty="0" smtClean="0"/>
+              <a:t>200 OK:</a:t>
+            </a:r>
+          </a:p>
+          <a:p>
+            <a:pPr marL="0" indent="0">
+              <a:buNone/>
             </a:pPr>
             <a:r>
               <a:rPr lang="en-US" dirty="0">
-                <a:ea typeface="Droid Sans Fallback" charset="0"/>
-                <a:cs typeface="Droid Sans Fallback" charset="0"/>
-              </a:rPr>
-              <a:t>	</a:t>
-            </a:r>
-            <a:r>
-              <a:rPr lang="en-US" dirty="0" smtClean="0">
-                <a:ea typeface="Droid Sans Fallback" charset="0"/>
-                <a:cs typeface="Droid Sans Fallback" charset="0"/>
-              </a:rPr>
-              <a:t>&lt;wso2as&gt;/repository/deployment/server/</a:t>
+                <a:latin typeface="Courier"/>
+                <a:cs typeface="Courier"/>
+              </a:rPr>
+              <a:t>return </a:t>
+            </a:r>
+            <a:r>
+              <a:rPr lang="en-US" dirty="0" err="1">
+                <a:latin typeface="Courier"/>
+                <a:cs typeface="Courier"/>
+              </a:rPr>
+              <a:t>Response.ok</a:t>
+            </a:r>
+            <a:r>
+              <a:rPr lang="en-US" dirty="0">
+                <a:latin typeface="Courier"/>
+                <a:cs typeface="Courier"/>
+              </a:rPr>
+              <a:t>().build();</a:t>
+            </a:r>
+            <a:endParaRPr lang="en-US" dirty="0" smtClean="0">
+              <a:latin typeface="Courier"/>
+              <a:cs typeface="Courier"/>
+            </a:endParaRPr>
+          </a:p>
+          <a:p>
+            <a:pPr marL="0" indent="0">
+              <a:buNone/>
+            </a:pPr>
+            <a:r>
+              <a:rPr lang="en-US" i="1" dirty="0" smtClean="0"/>
+              <a:t>201 Created</a:t>
+            </a:r>
+            <a:br>
+              <a:rPr lang="en-US" i="1" dirty="0" smtClean="0"/>
+            </a:br>
+            <a:r>
+              <a:rPr lang="en-US" dirty="0" smtClean="0">
+                <a:latin typeface="Courier"/>
+                <a:cs typeface="Courier"/>
+              </a:rPr>
+              <a:t>return </a:t>
             </a:r>
             <a:r>
               <a:rPr lang="en-US" dirty="0" err="1" smtClean="0">
-                <a:ea typeface="Droid Sans Fallback" charset="0"/>
-                <a:cs typeface="Droid Sans Fallback" charset="0"/>
-              </a:rPr>
-              <a:t>webapps</a:t>
-            </a:r>
-            <a:endParaRPr lang="en-US" dirty="0" smtClean="0">
-              <a:ea typeface="Droid Sans Fallback" charset="0"/>
-              <a:cs typeface="Droid Sans Fallback" charset="0"/>
-            </a:endParaRPr>
-          </a:p>
-          <a:p>
-            <a:pPr marL="0" indent="0" algn="just">
-              <a:lnSpc>
-                <a:spcPct val="150000"/>
-              </a:lnSpc>
-              <a:buNone/>
-              <a:tabLst>
-                <a:tab pos="656722" algn="l"/>
-                <a:tab pos="1313444" algn="l"/>
-                <a:tab pos="1970166" algn="l"/>
-                <a:tab pos="2626888" algn="l"/>
-                <a:tab pos="3283610" algn="l"/>
-                <a:tab pos="3940332" algn="l"/>
-                <a:tab pos="4597055" algn="l"/>
-                <a:tab pos="5253777" algn="l"/>
-                <a:tab pos="5910499" algn="l"/>
-                <a:tab pos="6567221" algn="l"/>
-                <a:tab pos="7223943" algn="l"/>
-              </a:tabLst>
-            </a:pPr>
-            <a:endParaRPr lang="en-US" dirty="0" smtClean="0">
-              <a:ea typeface="Droid Sans Fallback" charset="0"/>
-              <a:cs typeface="Droid Sans Fallback" charset="0"/>
-            </a:endParaRPr>
+                <a:latin typeface="Courier"/>
+                <a:cs typeface="Courier"/>
+              </a:rPr>
+              <a:t>Response.created</a:t>
+            </a:r>
+            <a:r>
+              <a:rPr lang="en-US" dirty="0" smtClean="0">
+                <a:latin typeface="Courier"/>
+                <a:cs typeface="Courier"/>
+              </a:rPr>
+              <a:t>(</a:t>
+            </a:r>
+            <a:br>
+              <a:rPr lang="en-US" dirty="0" smtClean="0">
+                <a:latin typeface="Courier"/>
+                <a:cs typeface="Courier"/>
+              </a:rPr>
+            </a:br>
+            <a:r>
+              <a:rPr lang="en-US" dirty="0" smtClean="0">
+                <a:latin typeface="Courier"/>
+                <a:cs typeface="Courier"/>
+              </a:rPr>
+              <a:t> </a:t>
+            </a:r>
+            <a:r>
+              <a:rPr lang="en-US" dirty="0" err="1" smtClean="0">
+                <a:latin typeface="Courier"/>
+                <a:cs typeface="Courier"/>
+              </a:rPr>
+              <a:t>URI.create</a:t>
+            </a:r>
+            <a:r>
+              <a:rPr lang="en-US" dirty="0" smtClean="0">
+                <a:latin typeface="Courier"/>
+                <a:cs typeface="Courier"/>
+              </a:rPr>
+              <a:t/>
+            </a:r>
+            <a:br>
+              <a:rPr lang="en-US" dirty="0" smtClean="0">
+                <a:latin typeface="Courier"/>
+                <a:cs typeface="Courier"/>
+              </a:rPr>
+            </a:br>
+            <a:r>
+              <a:rPr lang="en-US" dirty="0" smtClean="0">
+                <a:latin typeface="Courier"/>
+                <a:cs typeface="Courier"/>
+              </a:rPr>
+              <a:t> (</a:t>
+            </a:r>
+            <a:r>
+              <a:rPr lang="en-US" dirty="0">
+                <a:latin typeface="Courier"/>
+                <a:cs typeface="Courier"/>
+              </a:rPr>
+              <a:t>"orders/" + </a:t>
+            </a:r>
+            <a:r>
+              <a:rPr lang="en-US" dirty="0" err="1" smtClean="0">
+                <a:latin typeface="Courier"/>
+                <a:cs typeface="Courier"/>
+              </a:rPr>
+              <a:t>uuid</a:t>
+            </a:r>
+            <a:r>
+              <a:rPr lang="en-US" dirty="0" smtClean="0">
+                <a:latin typeface="Courier"/>
+                <a:cs typeface="Courier"/>
+              </a:rPr>
+              <a:t>)).</a:t>
+            </a:r>
+            <a:r>
+              <a:rPr lang="en-US" dirty="0">
+                <a:latin typeface="Courier"/>
+                <a:cs typeface="Courier"/>
+              </a:rPr>
+              <a:t>build();</a:t>
+            </a:r>
+          </a:p>
+          <a:p>
+            <a:pPr marL="0" indent="0">
+              <a:buNone/>
+            </a:pPr>
+            <a:r>
+              <a:rPr lang="en-US" i="1" dirty="0" smtClean="0"/>
+              <a:t>404 Not Found</a:t>
+            </a:r>
+          </a:p>
+          <a:p>
+            <a:pPr marL="0" indent="0">
+              <a:buNone/>
+            </a:pPr>
+            <a:r>
+              <a:rPr lang="en-US" dirty="0">
+                <a:latin typeface="Courier"/>
+                <a:cs typeface="Courier"/>
+              </a:rPr>
+              <a:t>return </a:t>
+            </a:r>
+            <a:r>
+              <a:rPr lang="en-US" dirty="0" err="1">
+                <a:latin typeface="Courier"/>
+                <a:cs typeface="Courier"/>
+              </a:rPr>
+              <a:t>Response.status</a:t>
+            </a:r>
+            <a:r>
+              <a:rPr lang="en-US" dirty="0">
+                <a:latin typeface="Courier"/>
+                <a:cs typeface="Courier"/>
+              </a:rPr>
+              <a:t>(</a:t>
+            </a:r>
+            <a:r>
+              <a:rPr lang="en-US" dirty="0" err="1">
+                <a:latin typeface="Courier"/>
+                <a:cs typeface="Courier"/>
+              </a:rPr>
+              <a:t>Status.NOT_FOUND</a:t>
+            </a:r>
+            <a:r>
+              <a:rPr lang="en-US">
+                <a:latin typeface="Courier"/>
+                <a:cs typeface="Courier"/>
+              </a:rPr>
+              <a:t>)</a:t>
+            </a:r>
+            <a:r>
+              <a:rPr lang="en-US" smtClean="0">
+                <a:latin typeface="Courier"/>
+                <a:cs typeface="Courier"/>
+              </a:rPr>
+              <a:t>.</a:t>
+            </a:r>
+            <a:br>
+              <a:rPr lang="en-US" smtClean="0">
+                <a:latin typeface="Courier"/>
+                <a:cs typeface="Courier"/>
+              </a:rPr>
+            </a:br>
+            <a:r>
+              <a:rPr lang="en-US" smtClean="0">
+                <a:latin typeface="Courier"/>
+                <a:cs typeface="Courier"/>
+              </a:rPr>
+              <a:t>build</a:t>
+            </a:r>
+            <a:r>
+              <a:rPr lang="en-US" dirty="0">
+                <a:latin typeface="Courier"/>
+                <a:cs typeface="Courier"/>
+              </a:rPr>
+              <a:t>();</a:t>
+            </a:r>
           </a:p>
         </p:txBody>
       </p:sp>
     </p:spTree>
     <p:extLst>
       <p:ext uri="{BB962C8B-B14F-4D97-AF65-F5344CB8AC3E}">
-        <p14:creationId xmlns:p14="http://schemas.microsoft.com/office/powerpoint/2010/main" val="3270179525"/>
+        <p14:creationId xmlns:p14="http://schemas.microsoft.com/office/powerpoint/2010/main" val="1733198259"/>
       </p:ext>
     </p:extLst>
   </p:cSld>
@@ -8517,7 +8479,7 @@
           <a:p>
             <a:r>
               <a:rPr lang="en-US" dirty="0" smtClean="0"/>
-              <a:t>Creating a JAX-RS project</a:t>
+              <a:t>Deployment</a:t>
             </a:r>
             <a:endParaRPr lang="en-US" dirty="0"/>
           </a:p>
@@ -8535,92 +8497,168 @@
         </p:nvSpPr>
         <p:spPr/>
         <p:txBody>
-          <a:bodyPr/>
+          <a:bodyPr>
+            <a:normAutofit fontScale="77500" lnSpcReduction="20000"/>
+          </a:bodyPr>
           <a:lstStyle/>
           <a:p>
-            <a:r>
-              <a:rPr lang="en-US" dirty="0" err="1"/>
-              <a:t>mvn</a:t>
-            </a:r>
-            <a:r>
-              <a:rPr lang="en-US" dirty="0"/>
-              <a:t> </a:t>
-            </a:r>
-            <a:r>
-              <a:rPr lang="en-US" dirty="0" err="1"/>
-              <a:t>archetype:generate</a:t>
-            </a:r>
-            <a:r>
-              <a:rPr lang="en-US" dirty="0"/>
-              <a:t> -</a:t>
-            </a:r>
-            <a:r>
-              <a:rPr lang="en-US" dirty="0" err="1"/>
-              <a:t>Dfilter</a:t>
-            </a:r>
-            <a:r>
-              <a:rPr lang="en-US" dirty="0"/>
-              <a:t>=</a:t>
-            </a:r>
-            <a:r>
-              <a:rPr lang="en-US" dirty="0" err="1"/>
-              <a:t>org.apache.cxf.archetype</a:t>
-            </a:r>
-            <a:r>
-              <a:rPr lang="en-US" dirty="0" smtClean="0"/>
-              <a:t>:</a:t>
-            </a:r>
-          </a:p>
-          <a:p>
-            <a:r>
-              <a:rPr lang="en-US" dirty="0" smtClean="0"/>
-              <a:t>Choose a version of CXF</a:t>
-            </a:r>
-          </a:p>
-          <a:p>
-            <a:r>
-              <a:rPr lang="en-US" dirty="0" smtClean="0"/>
-              <a:t>Choose properties for your project (name, group, version, </a:t>
-            </a:r>
-            <a:r>
-              <a:rPr lang="en-US" dirty="0" err="1" smtClean="0"/>
-              <a:t>etc</a:t>
-            </a:r>
-            <a:r>
-              <a:rPr lang="en-US" dirty="0" smtClean="0"/>
-              <a:t>)</a:t>
-            </a:r>
-          </a:p>
-          <a:p>
-            <a:r>
-              <a:rPr lang="en-US" dirty="0" err="1" smtClean="0"/>
-              <a:t>mvn</a:t>
-            </a:r>
-            <a:r>
-              <a:rPr lang="en-US" dirty="0" smtClean="0"/>
-              <a:t> </a:t>
-            </a:r>
-            <a:r>
-              <a:rPr lang="en-US" dirty="0" err="1" smtClean="0"/>
-              <a:t>eclipse:eclipse</a:t>
-            </a:r>
-            <a:endParaRPr lang="en-US" dirty="0" smtClean="0"/>
-          </a:p>
-          <a:p>
-            <a:r>
-              <a:rPr lang="en-US" dirty="0" smtClean="0"/>
-              <a:t>Import into Eclipse</a:t>
-            </a:r>
-          </a:p>
-          <a:p>
-            <a:endParaRPr lang="en-US" dirty="0"/>
+            <a:pPr algn="just">
+              <a:lnSpc>
+                <a:spcPct val="150000"/>
+              </a:lnSpc>
+              <a:tabLst>
+                <a:tab pos="656722" algn="l"/>
+                <a:tab pos="1313444" algn="l"/>
+                <a:tab pos="1970166" algn="l"/>
+                <a:tab pos="2626888" algn="l"/>
+                <a:tab pos="3283610" algn="l"/>
+                <a:tab pos="3940332" algn="l"/>
+                <a:tab pos="4597055" algn="l"/>
+                <a:tab pos="5253777" algn="l"/>
+                <a:tab pos="5910499" algn="l"/>
+                <a:tab pos="6567221" algn="l"/>
+                <a:tab pos="7223943" algn="l"/>
+              </a:tabLst>
+            </a:pPr>
+            <a:r>
+              <a:rPr lang="en-US" dirty="0" smtClean="0">
+                <a:ea typeface="Droid Sans Fallback" charset="0"/>
+                <a:cs typeface="Droid Sans Fallback" charset="0"/>
+              </a:rPr>
+              <a:t>JAX-RS applications are packaged in a WAR like a servlet.</a:t>
+            </a:r>
+          </a:p>
+          <a:p>
+            <a:pPr algn="just">
+              <a:lnSpc>
+                <a:spcPct val="150000"/>
+              </a:lnSpc>
+              <a:tabLst>
+                <a:tab pos="656722" algn="l"/>
+                <a:tab pos="1313444" algn="l"/>
+                <a:tab pos="1970166" algn="l"/>
+                <a:tab pos="2626888" algn="l"/>
+                <a:tab pos="3283610" algn="l"/>
+                <a:tab pos="3940332" algn="l"/>
+                <a:tab pos="4597055" algn="l"/>
+                <a:tab pos="5253777" algn="l"/>
+                <a:tab pos="5910499" algn="l"/>
+                <a:tab pos="6567221" algn="l"/>
+                <a:tab pos="7223943" algn="l"/>
+              </a:tabLst>
+            </a:pPr>
+            <a:r>
+              <a:rPr lang="en-US" dirty="0" smtClean="0">
+                <a:ea typeface="Droid Sans Fallback" charset="0"/>
+                <a:cs typeface="Droid Sans Fallback" charset="0"/>
+              </a:rPr>
+              <a:t>For CXF the “normal” approach is to use a Spring context to specify which JAX-RS classes should be exposed</a:t>
+            </a:r>
+          </a:p>
+          <a:p>
+            <a:pPr algn="just">
+              <a:lnSpc>
+                <a:spcPct val="150000"/>
+              </a:lnSpc>
+              <a:tabLst>
+                <a:tab pos="656722" algn="l"/>
+                <a:tab pos="1313444" algn="l"/>
+                <a:tab pos="1970166" algn="l"/>
+                <a:tab pos="2626888" algn="l"/>
+                <a:tab pos="3283610" algn="l"/>
+                <a:tab pos="3940332" algn="l"/>
+                <a:tab pos="4597055" algn="l"/>
+                <a:tab pos="5253777" algn="l"/>
+                <a:tab pos="5910499" algn="l"/>
+                <a:tab pos="6567221" algn="l"/>
+                <a:tab pos="7223943" algn="l"/>
+              </a:tabLst>
+            </a:pPr>
+            <a:r>
+              <a:rPr lang="en-US" dirty="0" smtClean="0">
+                <a:ea typeface="Droid Sans Fallback" charset="0"/>
+                <a:cs typeface="Droid Sans Fallback" charset="0"/>
+              </a:rPr>
+              <a:t>Simply copy the generated WAR to:</a:t>
+            </a:r>
+          </a:p>
+          <a:p>
+            <a:pPr marL="0" indent="0" algn="just">
+              <a:lnSpc>
+                <a:spcPct val="150000"/>
+              </a:lnSpc>
+              <a:buNone/>
+              <a:tabLst>
+                <a:tab pos="656722" algn="l"/>
+                <a:tab pos="1313444" algn="l"/>
+                <a:tab pos="1970166" algn="l"/>
+                <a:tab pos="2626888" algn="l"/>
+                <a:tab pos="3283610" algn="l"/>
+                <a:tab pos="3940332" algn="l"/>
+                <a:tab pos="4597055" algn="l"/>
+                <a:tab pos="5253777" algn="l"/>
+                <a:tab pos="5910499" algn="l"/>
+                <a:tab pos="6567221" algn="l"/>
+                <a:tab pos="7223943" algn="l"/>
+              </a:tabLst>
+            </a:pPr>
+            <a:r>
+              <a:rPr lang="en-US" dirty="0">
+                <a:ea typeface="Droid Sans Fallback" charset="0"/>
+                <a:cs typeface="Droid Sans Fallback" charset="0"/>
+              </a:rPr>
+              <a:t>	</a:t>
+            </a:r>
+            <a:r>
+              <a:rPr lang="en-US" dirty="0" smtClean="0">
+                <a:ea typeface="Droid Sans Fallback" charset="0"/>
+                <a:cs typeface="Droid Sans Fallback" charset="0"/>
+              </a:rPr>
+              <a:t>&lt;wso2as&gt;/repository/deployment/server/</a:t>
+            </a:r>
+            <a:r>
+              <a:rPr lang="en-US" dirty="0" err="1" smtClean="0">
+                <a:ea typeface="Droid Sans Fallback" charset="0"/>
+                <a:cs typeface="Droid Sans Fallback" charset="0"/>
+              </a:rPr>
+              <a:t>webapps</a:t>
+            </a:r>
+            <a:endParaRPr lang="en-US" dirty="0" smtClean="0">
+              <a:ea typeface="Droid Sans Fallback" charset="0"/>
+              <a:cs typeface="Droid Sans Fallback" charset="0"/>
+            </a:endParaRPr>
+          </a:p>
+          <a:p>
+            <a:pPr marL="0" indent="0" algn="just">
+              <a:lnSpc>
+                <a:spcPct val="150000"/>
+              </a:lnSpc>
+              <a:buNone/>
+              <a:tabLst>
+                <a:tab pos="656722" algn="l"/>
+                <a:tab pos="1313444" algn="l"/>
+                <a:tab pos="1970166" algn="l"/>
+                <a:tab pos="2626888" algn="l"/>
+                <a:tab pos="3283610" algn="l"/>
+                <a:tab pos="3940332" algn="l"/>
+                <a:tab pos="4597055" algn="l"/>
+                <a:tab pos="5253777" algn="l"/>
+                <a:tab pos="5910499" algn="l"/>
+                <a:tab pos="6567221" algn="l"/>
+                <a:tab pos="7223943" algn="l"/>
+              </a:tabLst>
+            </a:pPr>
+            <a:endParaRPr lang="en-US" dirty="0" smtClean="0">
+              <a:ea typeface="Droid Sans Fallback" charset="0"/>
+              <a:cs typeface="Droid Sans Fallback" charset="0"/>
+            </a:endParaRPr>
           </a:p>
         </p:txBody>
       </p:sp>
     </p:spTree>
     <p:extLst>
       <p:ext uri="{BB962C8B-B14F-4D97-AF65-F5344CB8AC3E}">
-        <p14:creationId xmlns:p14="http://schemas.microsoft.com/office/powerpoint/2010/main" val="448575616"/>
+        <p14:creationId xmlns:p14="http://schemas.microsoft.com/office/powerpoint/2010/main" val="3270179525"/>
       </p:ext>
     </p:extLst>
   </p:cSld>
@@ -8803,6 +8841,160 @@
 </file>
 
 <file path=ppt/slides/slide20.xml><?xml version="1.0" encoding="utf-8"?>
+<p:sld xmlns:a="http://schemas.openxmlformats.org/drawingml/2006/main" xmlns:r="http://schemas.openxmlformats.org/officeDocument/2006/relationships" xmlns:p="http://schemas.openxmlformats.org/presentationml/2006/main">
+  <p:cSld>
+    <p:spTree>
+      <p:nvGrpSpPr>
+        <p:cNvPr id="1" name=""/>
+        <p:cNvGrpSpPr/>
+        <p:nvPr/>
+      </p:nvGrpSpPr>
+      <p:grpSpPr>
+        <a:xfrm>
+          <a:off x="0" y="0"/>
+          <a:ext cx="0" cy="0"/>
+          <a:chOff x="0" y="0"/>
+          <a:chExt cx="0" cy="0"/>
+        </a:xfrm>
+      </p:grpSpPr>
+      <p:sp>
+        <p:nvSpPr>
+          <p:cNvPr id="2" name="Title 1"/>
+          <p:cNvSpPr>
+            <a:spLocks noGrp="1"/>
+          </p:cNvSpPr>
+          <p:nvPr>
+            <p:ph type="title"/>
+          </p:nvPr>
+        </p:nvSpPr>
+        <p:spPr/>
+        <p:txBody>
+          <a:bodyPr/>
+          <a:lstStyle/>
+          <a:p>
+            <a:r>
+              <a:rPr lang="en-US" dirty="0" smtClean="0"/>
+              <a:t>Creating a JAX-RS project</a:t>
+            </a:r>
+            <a:endParaRPr lang="en-US" dirty="0"/>
+          </a:p>
+        </p:txBody>
+      </p:sp>
+      <p:sp>
+        <p:nvSpPr>
+          <p:cNvPr id="3" name="Content Placeholder 2"/>
+          <p:cNvSpPr>
+            <a:spLocks noGrp="1"/>
+          </p:cNvSpPr>
+          <p:nvPr>
+            <p:ph idx="1"/>
+          </p:nvPr>
+        </p:nvSpPr>
+        <p:spPr/>
+        <p:txBody>
+          <a:bodyPr/>
+          <a:lstStyle/>
+          <a:p>
+            <a:r>
+              <a:rPr lang="en-US" dirty="0" err="1"/>
+              <a:t>mvn</a:t>
+            </a:r>
+            <a:r>
+              <a:rPr lang="en-US" dirty="0"/>
+              <a:t> </a:t>
+            </a:r>
+            <a:r>
+              <a:rPr lang="en-US" dirty="0" err="1"/>
+              <a:t>archetype:generate</a:t>
+            </a:r>
+            <a:r>
+              <a:rPr lang="en-US" dirty="0"/>
+              <a:t> -</a:t>
+            </a:r>
+            <a:r>
+              <a:rPr lang="en-US" dirty="0" err="1"/>
+              <a:t>Dfilter</a:t>
+            </a:r>
+            <a:r>
+              <a:rPr lang="en-US" dirty="0"/>
+              <a:t>=</a:t>
+            </a:r>
+            <a:r>
+              <a:rPr lang="en-US" dirty="0" err="1"/>
+              <a:t>org.apache.cxf.archetype</a:t>
+            </a:r>
+            <a:r>
+              <a:rPr lang="en-US" dirty="0" smtClean="0"/>
+              <a:t>:</a:t>
+            </a:r>
+          </a:p>
+          <a:p>
+            <a:r>
+              <a:rPr lang="en-US" dirty="0" smtClean="0"/>
+              <a:t>Choose a version of CXF</a:t>
+            </a:r>
+          </a:p>
+          <a:p>
+            <a:r>
+              <a:rPr lang="en-US" dirty="0" smtClean="0"/>
+              <a:t>Choose properties for your project (name, group, version, </a:t>
+            </a:r>
+            <a:r>
+              <a:rPr lang="en-US" dirty="0" err="1" smtClean="0"/>
+              <a:t>etc</a:t>
+            </a:r>
+            <a:r>
+              <a:rPr lang="en-US" dirty="0" smtClean="0"/>
+              <a:t>)</a:t>
+            </a:r>
+          </a:p>
+          <a:p>
+            <a:r>
+              <a:rPr lang="en-US" dirty="0" err="1" smtClean="0"/>
+              <a:t>mvn</a:t>
+            </a:r>
+            <a:r>
+              <a:rPr lang="en-US" dirty="0" smtClean="0"/>
+              <a:t> </a:t>
+            </a:r>
+            <a:r>
+              <a:rPr lang="en-US" dirty="0" err="1" smtClean="0"/>
+              <a:t>eclipse:eclipse</a:t>
+            </a:r>
+            <a:endParaRPr lang="en-US" dirty="0" smtClean="0"/>
+          </a:p>
+          <a:p>
+            <a:r>
+              <a:rPr lang="en-US" dirty="0" smtClean="0"/>
+              <a:t>Import into Eclipse</a:t>
+            </a:r>
+          </a:p>
+          <a:p>
+            <a:endParaRPr lang="en-US" dirty="0"/>
+          </a:p>
+        </p:txBody>
+      </p:sp>
+    </p:spTree>
+    <p:extLst>
+      <p:ext uri="{BB962C8B-B14F-4D97-AF65-F5344CB8AC3E}">
+        <p14:creationId xmlns:p14="http://schemas.microsoft.com/office/powerpoint/2010/main" val="448575616"/>
+      </p:ext>
+    </p:extLst>
+  </p:cSld>
+  <p:clrMapOvr>
+    <a:masterClrMapping/>
+  </p:clrMapOvr>
+  <p:timing>
+    <p:tnLst>
+      <p:par>
+        <p:cTn xmlns:p14="http://schemas.microsoft.com/office/powerpoint/2010/main" id="1" dur="indefinite" restart="never" nodeType="tmRoot"/>
+      </p:par>
+    </p:tnLst>
+  </p:timing>
+</p:sld>
+</file>
+
+<file path=ppt/slides/slide21.xml><?xml version="1.0" encoding="utf-8"?>
 <p:sld xmlns:a="http://schemas.openxmlformats.org/drawingml/2006/main" xmlns:r="http://schemas.openxmlformats.org/officeDocument/2006/relationships" xmlns:p="http://schemas.openxmlformats.org/presentationml/2006/main">
   <p:cSld>
     <p:spTree>

--- a/presentations/source/03-JAX-RS.pptx
+++ b/presentations/source/03-JAX-RS.pptx
@@ -217,7 +217,7 @@
             <a:fld id="{7307762F-A706-E543-A832-3C298AA3103F}" type="datetimeFigureOut">
               <a:rPr lang="en-US" smtClean="0"/>
               <a:pPr/>
-              <a:t>12/1/14</a:t>
+              <a:t>08/09/15</a:t>
             </a:fld>
             <a:endParaRPr lang="en-US" dirty="0"/>
           </a:p>
@@ -679,7 +679,7 @@
           <a:p>
             <a:fld id="{875CF0EB-321F-0749-B37A-89BBA859503C}" type="datetimeFigureOut">
               <a:rPr lang="en-US" smtClean="0"/>
-              <a:t>12/1/14</a:t>
+              <a:t>08/09/15</a:t>
             </a:fld>
             <a:endParaRPr lang="en-US"/>
           </a:p>
@@ -873,7 +873,7 @@
           <a:p>
             <a:fld id="{875CF0EB-321F-0749-B37A-89BBA859503C}" type="datetimeFigureOut">
               <a:rPr lang="en-US" smtClean="0"/>
-              <a:t>12/1/14</a:t>
+              <a:t>08/09/15</a:t>
             </a:fld>
             <a:endParaRPr lang="en-US"/>
           </a:p>
@@ -1077,7 +1077,7 @@
           <a:p>
             <a:fld id="{875CF0EB-321F-0749-B37A-89BBA859503C}" type="datetimeFigureOut">
               <a:rPr lang="en-US" smtClean="0"/>
-              <a:t>12/1/14</a:t>
+              <a:t>08/09/15</a:t>
             </a:fld>
             <a:endParaRPr lang="en-US"/>
           </a:p>
@@ -1271,7 +1271,7 @@
           <a:p>
             <a:fld id="{875CF0EB-321F-0749-B37A-89BBA859503C}" type="datetimeFigureOut">
               <a:rPr lang="en-US" smtClean="0"/>
-              <a:t>12/1/14</a:t>
+              <a:t>08/09/15</a:t>
             </a:fld>
             <a:endParaRPr lang="en-US"/>
           </a:p>
@@ -1541,7 +1541,7 @@
           <a:p>
             <a:fld id="{875CF0EB-321F-0749-B37A-89BBA859503C}" type="datetimeFigureOut">
               <a:rPr lang="en-US" smtClean="0"/>
-              <a:t>12/1/14</a:t>
+              <a:t>08/09/15</a:t>
             </a:fld>
             <a:endParaRPr lang="en-US"/>
           </a:p>
@@ -1853,7 +1853,7 @@
           <a:p>
             <a:fld id="{875CF0EB-321F-0749-B37A-89BBA859503C}" type="datetimeFigureOut">
               <a:rPr lang="en-US" smtClean="0"/>
-              <a:t>12/1/14</a:t>
+              <a:t>08/09/15</a:t>
             </a:fld>
             <a:endParaRPr lang="en-US"/>
           </a:p>
@@ -2299,7 +2299,7 @@
           <a:p>
             <a:fld id="{875CF0EB-321F-0749-B37A-89BBA859503C}" type="datetimeFigureOut">
               <a:rPr lang="en-US" smtClean="0"/>
-              <a:t>12/1/14</a:t>
+              <a:t>08/09/15</a:t>
             </a:fld>
             <a:endParaRPr lang="en-US"/>
           </a:p>
@@ -2441,7 +2441,7 @@
           <a:p>
             <a:fld id="{875CF0EB-321F-0749-B37A-89BBA859503C}" type="datetimeFigureOut">
               <a:rPr lang="en-US" smtClean="0"/>
-              <a:t>12/1/14</a:t>
+              <a:t>08/09/15</a:t>
             </a:fld>
             <a:endParaRPr lang="en-US"/>
           </a:p>
@@ -2560,7 +2560,7 @@
           <a:p>
             <a:fld id="{875CF0EB-321F-0749-B37A-89BBA859503C}" type="datetimeFigureOut">
               <a:rPr lang="en-US" smtClean="0"/>
-              <a:t>12/1/14</a:t>
+              <a:t>08/09/15</a:t>
             </a:fld>
             <a:endParaRPr lang="en-US"/>
           </a:p>
@@ -2861,7 +2861,7 @@
           <a:p>
             <a:fld id="{875CF0EB-321F-0749-B37A-89BBA859503C}" type="datetimeFigureOut">
               <a:rPr lang="en-US" smtClean="0"/>
-              <a:t>12/1/14</a:t>
+              <a:t>08/09/15</a:t>
             </a:fld>
             <a:endParaRPr lang="en-US"/>
           </a:p>
@@ -3138,7 +3138,7 @@
           <a:p>
             <a:fld id="{875CF0EB-321F-0749-B37A-89BBA859503C}" type="datetimeFigureOut">
               <a:rPr lang="en-US" smtClean="0"/>
-              <a:t>12/1/14</a:t>
+              <a:t>08/09/15</a:t>
             </a:fld>
             <a:endParaRPr lang="en-US"/>
           </a:p>
@@ -5843,20 +5843,13 @@
           </a:p>
           <a:p>
             <a:r>
-              <a:rPr lang="en-US">
+              <a:rPr lang="en-US" dirty="0" smtClean="0">
                 <a:ea typeface="ヒラギノ角ゴ ProN W3" charset="0"/>
                 <a:cs typeface="ヒラギノ角ゴ ProN W3" charset="0"/>
               </a:rPr>
-              <a:t>Dec </a:t>
-            </a:r>
-            <a:r>
-              <a:rPr lang="en-US" smtClean="0">
-                <a:ea typeface="ヒラギノ角ゴ ProN W3" charset="0"/>
-                <a:cs typeface="ヒラギノ角ゴ ProN W3" charset="0"/>
-              </a:rPr>
-              <a:t>2014</a:t>
-            </a:r>
-            <a:endParaRPr lang="en-US">
+              <a:t>Sep 2015</a:t>
+            </a:r>
+            <a:endParaRPr lang="en-US" dirty="0">
               <a:ea typeface="ヒラギノ角ゴ ProN W3" charset="0"/>
               <a:cs typeface="ヒラギノ角ゴ ProN W3" charset="0"/>
             </a:endParaRPr>
@@ -7695,10 +7688,6 @@
             <a:pPr marL="0" indent="0">
               <a:buNone/>
             </a:pPr>
-            <a:r>
-              <a:rPr lang="en-US" b="1" dirty="0" smtClean="0"/>
-              <a:t/>
-            </a:r>
             <a:endParaRPr lang="en-US" dirty="0"/>
           </a:p>
         </p:txBody>
@@ -7851,14 +7840,7 @@
                 <a:ea typeface="Droid Sans Fallback" charset="0"/>
                 <a:cs typeface="Droid Sans Fallback" charset="0"/>
               </a:rPr>
-              <a:t>. For instance, vendors are required to provide support for marshalling JAXB annotated classes</a:t>
-            </a:r>
-            <a:r>
-              <a:rPr lang="en-US" dirty="0" smtClean="0">
-                <a:ea typeface="Droid Sans Fallback" charset="0"/>
-                <a:cs typeface="Droid Sans Fallback" charset="0"/>
-              </a:rPr>
-              <a:t>.</a:t>
+              <a:t>. For instance, vendors are required to provide support for marshalling JAXB annotated classes.</a:t>
             </a:r>
           </a:p>
           <a:p>
@@ -7894,10 +7876,6 @@
               </a:rPr>
               <a:t>@Provider</a:t>
             </a:r>
-            <a:endParaRPr lang="en-US" b="1" dirty="0" smtClean="0">
-              <a:ea typeface="Droid Sans Fallback" charset="0"/>
-              <a:cs typeface="Droid Sans Fallback" charset="0"/>
-            </a:endParaRPr>
           </a:p>
           <a:p>
             <a:endParaRPr lang="en-US" dirty="0"/>
